--- a/01.Lessions/04-Querying-Data/04-Querying-Data.pptx
+++ b/01.Lessions/04-Querying-Data/04-Querying-Data.pptx
@@ -869,7 +869,7 @@
           <a:p>
             <a:fld id="{C764DE79-268F-4C1A-8933-263129D2AF90}" type="datetimeFigureOut">
               <a:rPr lang="en-US" dirty="0"/>
-              <a:t>11/13/2023</a:t>
+              <a:t>11/14/2023</a:t>
             </a:fld>
             <a:endParaRPr lang="en-US" dirty="0"/>
           </a:p>
@@ -4297,7 +4297,7 @@
         <p:spPr>
           <a:xfrm>
             <a:off x="1318725" y="2668485"/>
-            <a:ext cx="6919928" cy="307777"/>
+            <a:ext cx="6919928" cy="338554"/>
           </a:xfrm>
           <a:prstGeom prst="rect">
             <a:avLst/>
@@ -4311,7 +4311,7 @@
           <a:lstStyle/>
           <a:p>
             <a:r>
-              <a:rPr lang="en-US" sz="1400" dirty="0" err="1" smtClean="0">
+              <a:rPr lang="en-US" sz="1600" dirty="0" err="1" smtClean="0">
                 <a:solidFill>
                   <a:schemeClr val="bg1"/>
                 </a:solidFill>
@@ -4319,7 +4319,7 @@
               <a:t>Hiểu</a:t>
             </a:r>
             <a:r>
-              <a:rPr lang="en-US" sz="1400" dirty="0" smtClean="0">
+              <a:rPr lang="en-US" sz="1600" dirty="0" smtClean="0">
                 <a:solidFill>
                   <a:schemeClr val="bg1"/>
                 </a:solidFill>
@@ -4327,7 +4327,7 @@
               <a:t> </a:t>
             </a:r>
             <a:r>
-              <a:rPr lang="en-US" sz="1400" dirty="0" err="1" smtClean="0">
+              <a:rPr lang="en-US" sz="1600" dirty="0" err="1" smtClean="0">
                 <a:solidFill>
                   <a:schemeClr val="bg1"/>
                 </a:solidFill>
@@ -4335,7 +4335,7 @@
               <a:t>cách</a:t>
             </a:r>
             <a:r>
-              <a:rPr lang="en-US" sz="1400" dirty="0" smtClean="0">
+              <a:rPr lang="en-US" sz="1600" dirty="0" smtClean="0">
                 <a:solidFill>
                   <a:schemeClr val="bg1"/>
                 </a:solidFill>
@@ -4343,7 +4343,7 @@
               <a:t> </a:t>
             </a:r>
             <a:r>
-              <a:rPr lang="en-US" sz="1400" dirty="0" err="1" smtClean="0">
+              <a:rPr lang="en-US" sz="1600" dirty="0" err="1" smtClean="0">
                 <a:solidFill>
                   <a:schemeClr val="bg1"/>
                 </a:solidFill>
@@ -4351,7 +4351,7 @@
               <a:t>sử</a:t>
             </a:r>
             <a:r>
-              <a:rPr lang="en-US" sz="1400" dirty="0" smtClean="0">
+              <a:rPr lang="en-US" sz="1600" dirty="0" smtClean="0">
                 <a:solidFill>
                   <a:schemeClr val="bg1"/>
                 </a:solidFill>
@@ -4359,7 +4359,7 @@
               <a:t> </a:t>
             </a:r>
             <a:r>
-              <a:rPr lang="en-US" sz="1400" dirty="0" err="1" smtClean="0">
+              <a:rPr lang="en-US" sz="1600" dirty="0" err="1" smtClean="0">
                 <a:solidFill>
                   <a:schemeClr val="bg1"/>
                 </a:solidFill>
@@ -4367,7 +4367,7 @@
               <a:t>dụng</a:t>
             </a:r>
             <a:r>
-              <a:rPr lang="en-US" sz="1400" dirty="0" smtClean="0">
+              <a:rPr lang="en-US" sz="1600" dirty="0" smtClean="0">
                 <a:solidFill>
                   <a:schemeClr val="bg1"/>
                 </a:solidFill>
@@ -4375,7 +4375,7 @@
               <a:t> </a:t>
             </a:r>
             <a:r>
-              <a:rPr lang="en-US" sz="1400" dirty="0" err="1" smtClean="0">
+              <a:rPr lang="en-US" sz="1600" dirty="0" err="1" smtClean="0">
                 <a:solidFill>
                   <a:schemeClr val="bg1"/>
                 </a:solidFill>
@@ -4383,7 +4383,7 @@
               <a:t>câu</a:t>
             </a:r>
             <a:r>
-              <a:rPr lang="en-US" sz="1400" dirty="0" smtClean="0">
+              <a:rPr lang="en-US" sz="1600" dirty="0" smtClean="0">
                 <a:solidFill>
                   <a:schemeClr val="bg1"/>
                 </a:solidFill>
@@ -4391,7 +4391,7 @@
               <a:t> </a:t>
             </a:r>
             <a:r>
-              <a:rPr lang="en-US" sz="1400" dirty="0" err="1" smtClean="0">
+              <a:rPr lang="en-US" sz="1600" dirty="0" err="1" smtClean="0">
                 <a:solidFill>
                   <a:schemeClr val="bg1"/>
                 </a:solidFill>
@@ -4399,7 +4399,7 @@
               <a:t>lệnh</a:t>
             </a:r>
             <a:r>
-              <a:rPr lang="en-US" sz="1400" dirty="0" smtClean="0">
+              <a:rPr lang="en-US" sz="1600" dirty="0" smtClean="0">
                 <a:solidFill>
                   <a:schemeClr val="bg1"/>
                 </a:solidFill>
@@ -4407,7 +4407,7 @@
               <a:t> SELECT </a:t>
             </a:r>
             <a:r>
-              <a:rPr lang="en-US" sz="1400" dirty="0" err="1" smtClean="0">
+              <a:rPr lang="en-US" sz="1600" dirty="0" err="1" smtClean="0">
                 <a:solidFill>
                   <a:schemeClr val="bg1"/>
                 </a:solidFill>
@@ -4415,7 +4415,7 @@
               <a:t>cơ</a:t>
             </a:r>
             <a:r>
-              <a:rPr lang="en-US" sz="1400" dirty="0" smtClean="0">
+              <a:rPr lang="en-US" sz="1600" dirty="0" smtClean="0">
                 <a:solidFill>
                   <a:schemeClr val="bg1"/>
                 </a:solidFill>
@@ -4423,14 +4423,14 @@
               <a:t> </a:t>
             </a:r>
             <a:r>
-              <a:rPr lang="en-US" sz="1400" dirty="0" err="1" smtClean="0">
+              <a:rPr lang="en-US" sz="1600" dirty="0" err="1" smtClean="0">
                 <a:solidFill>
                   <a:schemeClr val="bg1"/>
                 </a:solidFill>
               </a:rPr>
               <a:t>bản</a:t>
             </a:r>
-            <a:endParaRPr lang="en-US" sz="1400" dirty="0">
+            <a:endParaRPr lang="en-US" sz="1600" dirty="0">
               <a:solidFill>
                 <a:schemeClr val="bg1"/>
               </a:solidFill>
@@ -4499,7 +4499,7 @@
         <p:spPr>
           <a:xfrm>
             <a:off x="1318725" y="3499028"/>
-            <a:ext cx="6919928" cy="307777"/>
+            <a:ext cx="6919928" cy="338554"/>
           </a:xfrm>
           <a:prstGeom prst="rect">
             <a:avLst/>
@@ -4513,7 +4513,7 @@
           <a:lstStyle/>
           <a:p>
             <a:r>
-              <a:rPr lang="en-US" sz="1400" dirty="0" err="1" smtClean="0">
+              <a:rPr lang="en-US" sz="1600" dirty="0" err="1" smtClean="0">
                 <a:solidFill>
                   <a:schemeClr val="bg1"/>
                 </a:solidFill>
@@ -4521,7 +4521,7 @@
               <a:t>Biết</a:t>
             </a:r>
             <a:r>
-              <a:rPr lang="en-US" sz="1400" dirty="0" smtClean="0">
+              <a:rPr lang="en-US" sz="1600" dirty="0" smtClean="0">
                 <a:solidFill>
                   <a:schemeClr val="bg1"/>
                 </a:solidFill>
@@ -4529,7 +4529,7 @@
               <a:t> </a:t>
             </a:r>
             <a:r>
-              <a:rPr lang="en-US" sz="1400" dirty="0" err="1" smtClean="0">
+              <a:rPr lang="en-US" sz="1600" dirty="0" err="1" smtClean="0">
                 <a:solidFill>
                   <a:schemeClr val="bg1"/>
                 </a:solidFill>
@@ -4537,7 +4537,7 @@
               <a:t>cách</a:t>
             </a:r>
             <a:r>
-              <a:rPr lang="en-US" sz="1400" dirty="0" smtClean="0">
+              <a:rPr lang="en-US" sz="1600" dirty="0" smtClean="0">
                 <a:solidFill>
                   <a:schemeClr val="bg1"/>
                 </a:solidFill>
@@ -4545,7 +4545,7 @@
               <a:t> </a:t>
             </a:r>
             <a:r>
-              <a:rPr lang="en-US" sz="1400" dirty="0" err="1" smtClean="0">
+              <a:rPr lang="en-US" sz="1600" dirty="0" err="1" smtClean="0">
                 <a:solidFill>
                   <a:schemeClr val="bg1"/>
                 </a:solidFill>
@@ -4553,7 +4553,7 @@
               <a:t>sử</a:t>
             </a:r>
             <a:r>
-              <a:rPr lang="en-US" sz="1400" dirty="0" smtClean="0">
+              <a:rPr lang="en-US" sz="1600" dirty="0" smtClean="0">
                 <a:solidFill>
                   <a:schemeClr val="bg1"/>
                 </a:solidFill>
@@ -4561,7 +4561,7 @@
               <a:t> </a:t>
             </a:r>
             <a:r>
-              <a:rPr lang="en-US" sz="1400" dirty="0" err="1" smtClean="0">
+              <a:rPr lang="en-US" sz="1600" dirty="0" err="1" smtClean="0">
                 <a:solidFill>
                   <a:schemeClr val="bg1"/>
                 </a:solidFill>
@@ -4569,7 +4569,7 @@
               <a:t>dụng</a:t>
             </a:r>
             <a:r>
-              <a:rPr lang="en-US" sz="1400" dirty="0">
+              <a:rPr lang="en-US" sz="1600" dirty="0">
                 <a:solidFill>
                   <a:schemeClr val="bg1"/>
                 </a:solidFill>
@@ -4577,7 +4577,7 @@
               <a:t> Column </a:t>
             </a:r>
             <a:r>
-              <a:rPr lang="en-US" sz="1400" dirty="0" smtClean="0">
+              <a:rPr lang="en-US" sz="1600" dirty="0" smtClean="0">
                 <a:solidFill>
                   <a:schemeClr val="bg1"/>
                 </a:solidFill>
@@ -4585,7 +4585,7 @@
               <a:t>aliases </a:t>
             </a:r>
             <a:r>
-              <a:rPr lang="en-US" sz="1400" dirty="0" err="1" smtClean="0">
+              <a:rPr lang="en-US" sz="1600" dirty="0" err="1" smtClean="0">
                 <a:solidFill>
                   <a:schemeClr val="bg1"/>
                 </a:solidFill>
@@ -4593,7 +4593,7 @@
               <a:t>để</a:t>
             </a:r>
             <a:r>
-              <a:rPr lang="en-US" sz="1400" dirty="0" smtClean="0">
+              <a:rPr lang="en-US" sz="1600" dirty="0" smtClean="0">
                 <a:solidFill>
                   <a:schemeClr val="bg1"/>
                 </a:solidFill>
@@ -4601,7 +4601,7 @@
               <a:t> </a:t>
             </a:r>
             <a:r>
-              <a:rPr lang="en-US" sz="1400" dirty="0" err="1" smtClean="0">
+              <a:rPr lang="en-US" sz="1600" dirty="0" err="1" smtClean="0">
                 <a:solidFill>
                   <a:schemeClr val="bg1"/>
                 </a:solidFill>
@@ -4609,7 +4609,7 @@
               <a:t>đổi</a:t>
             </a:r>
             <a:r>
-              <a:rPr lang="en-US" sz="1400" dirty="0" smtClean="0">
+              <a:rPr lang="en-US" sz="1600" dirty="0" smtClean="0">
                 <a:solidFill>
                   <a:schemeClr val="bg1"/>
                 </a:solidFill>
@@ -4617,7 +4617,7 @@
               <a:t> </a:t>
             </a:r>
             <a:r>
-              <a:rPr lang="en-US" sz="1400" dirty="0" err="1" smtClean="0">
+              <a:rPr lang="en-US" sz="1600" dirty="0" err="1" smtClean="0">
                 <a:solidFill>
                   <a:schemeClr val="bg1"/>
                 </a:solidFill>
@@ -4625,14 +4625,14 @@
               <a:t>tên</a:t>
             </a:r>
             <a:r>
-              <a:rPr lang="en-US" sz="1400" dirty="0" smtClean="0">
+              <a:rPr lang="en-US" sz="1600" dirty="0" smtClean="0">
                 <a:solidFill>
                   <a:schemeClr val="bg1"/>
                 </a:solidFill>
               </a:rPr>
               <a:t> Column</a:t>
             </a:r>
-            <a:endParaRPr lang="en-US" sz="1400" dirty="0">
+            <a:endParaRPr lang="en-US" sz="1600" dirty="0">
               <a:solidFill>
                 <a:schemeClr val="bg1"/>
               </a:solidFill>
@@ -4701,7 +4701,7 @@
         <p:spPr>
           <a:xfrm>
             <a:off x="1318725" y="4290326"/>
-            <a:ext cx="6919928" cy="307777"/>
+            <a:ext cx="6919928" cy="338554"/>
           </a:xfrm>
           <a:prstGeom prst="rect">
             <a:avLst/>
@@ -4715,7 +4715,7 @@
           <a:lstStyle/>
           <a:p>
             <a:r>
-              <a:rPr lang="en-US" sz="1400" dirty="0" err="1" smtClean="0">
+              <a:rPr lang="en-US" sz="1600" dirty="0" err="1" smtClean="0">
                 <a:solidFill>
                   <a:schemeClr val="bg1"/>
                 </a:solidFill>
@@ -4723,7 +4723,7 @@
               <a:t>Cách</a:t>
             </a:r>
             <a:r>
-              <a:rPr lang="en-US" sz="1400" dirty="0" smtClean="0">
+              <a:rPr lang="en-US" sz="1600" dirty="0" smtClean="0">
                 <a:solidFill>
                   <a:schemeClr val="bg1"/>
                 </a:solidFill>
@@ -4731,7 +4731,7 @@
               <a:t> </a:t>
             </a:r>
             <a:r>
-              <a:rPr lang="en-US" sz="1400" dirty="0" err="1" smtClean="0">
+              <a:rPr lang="en-US" sz="1600" dirty="0" err="1" smtClean="0">
                 <a:solidFill>
                   <a:schemeClr val="bg1"/>
                 </a:solidFill>
@@ -4739,7 +4739,7 @@
               <a:t>sử</a:t>
             </a:r>
             <a:r>
-              <a:rPr lang="en-US" sz="1400" dirty="0" smtClean="0">
+              <a:rPr lang="en-US" sz="1600" dirty="0" smtClean="0">
                 <a:solidFill>
                   <a:schemeClr val="bg1"/>
                 </a:solidFill>
@@ -4747,7 +4747,7 @@
               <a:t> </a:t>
             </a:r>
             <a:r>
-              <a:rPr lang="en-US" sz="1400" dirty="0" err="1" smtClean="0">
+              <a:rPr lang="en-US" sz="1600" dirty="0" err="1" smtClean="0">
                 <a:solidFill>
                   <a:schemeClr val="bg1"/>
                 </a:solidFill>
@@ -4755,7 +4755,7 @@
               <a:t>dụng</a:t>
             </a:r>
             <a:r>
-              <a:rPr lang="en-US" sz="1400" dirty="0" smtClean="0">
+              <a:rPr lang="en-US" sz="1600" dirty="0" smtClean="0">
                 <a:solidFill>
                   <a:schemeClr val="bg1"/>
                 </a:solidFill>
@@ -4763,7 +4763,7 @@
               <a:t> Order by </a:t>
             </a:r>
             <a:r>
-              <a:rPr lang="en-US" sz="1400" dirty="0" err="1" smtClean="0">
+              <a:rPr lang="en-US" sz="1600" dirty="0" err="1" smtClean="0">
                 <a:solidFill>
                   <a:schemeClr val="bg1"/>
                 </a:solidFill>
@@ -4771,7 +4771,7 @@
               <a:t>để</a:t>
             </a:r>
             <a:r>
-              <a:rPr lang="en-US" sz="1400" dirty="0" smtClean="0">
+              <a:rPr lang="en-US" sz="1600" dirty="0" smtClean="0">
                 <a:solidFill>
                   <a:schemeClr val="bg1"/>
                 </a:solidFill>
@@ -4779,7 +4779,7 @@
               <a:t> </a:t>
             </a:r>
             <a:r>
-              <a:rPr lang="en-US" sz="1400" dirty="0" err="1" smtClean="0">
+              <a:rPr lang="en-US" sz="1600" dirty="0" err="1" smtClean="0">
                 <a:solidFill>
                   <a:schemeClr val="bg1"/>
                 </a:solidFill>
@@ -4787,7 +4787,7 @@
               <a:t>sắp</a:t>
             </a:r>
             <a:r>
-              <a:rPr lang="en-US" sz="1400" dirty="0" smtClean="0">
+              <a:rPr lang="en-US" sz="1600" dirty="0" smtClean="0">
                 <a:solidFill>
                   <a:schemeClr val="bg1"/>
                 </a:solidFill>
@@ -4795,7 +4795,7 @@
               <a:t> </a:t>
             </a:r>
             <a:r>
-              <a:rPr lang="en-US" sz="1400" dirty="0" err="1" smtClean="0">
+              <a:rPr lang="en-US" sz="1600" dirty="0" err="1" smtClean="0">
                 <a:solidFill>
                   <a:schemeClr val="bg1"/>
                 </a:solidFill>
@@ -4803,7 +4803,7 @@
               <a:t>xếp</a:t>
             </a:r>
             <a:r>
-              <a:rPr lang="en-US" sz="1400" dirty="0" smtClean="0">
+              <a:rPr lang="en-US" sz="1600" dirty="0" smtClean="0">
                 <a:solidFill>
                   <a:schemeClr val="bg1"/>
                 </a:solidFill>
@@ -4811,7 +4811,7 @@
               <a:t> </a:t>
             </a:r>
             <a:r>
-              <a:rPr lang="en-US" sz="1400" dirty="0" err="1" smtClean="0">
+              <a:rPr lang="en-US" sz="1600" dirty="0" err="1" smtClean="0">
                 <a:solidFill>
                   <a:schemeClr val="bg1"/>
                 </a:solidFill>
@@ -4819,7 +4819,7 @@
               <a:t>kết</a:t>
             </a:r>
             <a:r>
-              <a:rPr lang="en-US" sz="1400" dirty="0" smtClean="0">
+              <a:rPr lang="en-US" sz="1600" dirty="0" smtClean="0">
                 <a:solidFill>
                   <a:schemeClr val="bg1"/>
                 </a:solidFill>
@@ -4827,7 +4827,7 @@
               <a:t> </a:t>
             </a:r>
             <a:r>
-              <a:rPr lang="en-US" sz="1400" dirty="0" err="1" smtClean="0">
+              <a:rPr lang="en-US" sz="1600" dirty="0" err="1" smtClean="0">
                 <a:solidFill>
                   <a:schemeClr val="bg1"/>
                 </a:solidFill>
@@ -4835,7 +4835,7 @@
               <a:t>quả</a:t>
             </a:r>
             <a:r>
-              <a:rPr lang="en-US" sz="1400" dirty="0" smtClean="0">
+              <a:rPr lang="en-US" sz="1600" dirty="0" smtClean="0">
                 <a:solidFill>
                   <a:schemeClr val="bg1"/>
                 </a:solidFill>
@@ -4843,7 +4843,7 @@
               <a:t> </a:t>
             </a:r>
             <a:r>
-              <a:rPr lang="en-US" sz="1400" dirty="0" err="1" smtClean="0">
+              <a:rPr lang="en-US" sz="1600" dirty="0" err="1" smtClean="0">
                 <a:solidFill>
                   <a:schemeClr val="bg1"/>
                 </a:solidFill>
@@ -4851,7 +4851,7 @@
               <a:t>trả</a:t>
             </a:r>
             <a:r>
-              <a:rPr lang="en-US" sz="1400" dirty="0" smtClean="0">
+              <a:rPr lang="en-US" sz="1600" dirty="0" smtClean="0">
                 <a:solidFill>
                   <a:schemeClr val="bg1"/>
                 </a:solidFill>
@@ -4859,14 +4859,14 @@
               <a:t> </a:t>
             </a:r>
             <a:r>
-              <a:rPr lang="en-US" sz="1400" dirty="0" err="1" smtClean="0">
+              <a:rPr lang="en-US" sz="1600" dirty="0" err="1" smtClean="0">
                 <a:solidFill>
                   <a:schemeClr val="bg1"/>
                 </a:solidFill>
               </a:rPr>
               <a:t>về</a:t>
             </a:r>
-            <a:endParaRPr lang="en-US" sz="1400" dirty="0">
+            <a:endParaRPr lang="en-US" sz="1600" dirty="0">
               <a:solidFill>
                 <a:schemeClr val="bg1"/>
               </a:solidFill>
@@ -5036,7 +5036,7 @@
         <p:spPr>
           <a:xfrm>
             <a:off x="1318725" y="5041764"/>
-            <a:ext cx="6919928" cy="307777"/>
+            <a:ext cx="6919928" cy="338554"/>
           </a:xfrm>
           <a:prstGeom prst="rect">
             <a:avLst/>
@@ -5050,7 +5050,7 @@
           <a:lstStyle/>
           <a:p>
             <a:r>
-              <a:rPr lang="en-US" sz="1400" dirty="0" err="1" smtClean="0">
+              <a:rPr lang="en-US" sz="1600" dirty="0" err="1" smtClean="0">
                 <a:solidFill>
                   <a:schemeClr val="bg1"/>
                 </a:solidFill>
@@ -5058,7 +5058,7 @@
               <a:t>Cách</a:t>
             </a:r>
             <a:r>
-              <a:rPr lang="en-US" sz="1400" dirty="0" smtClean="0">
+              <a:rPr lang="en-US" sz="1600" dirty="0" smtClean="0">
                 <a:solidFill>
                   <a:schemeClr val="bg1"/>
                 </a:solidFill>
@@ -5066,7 +5066,7 @@
               <a:t> </a:t>
             </a:r>
             <a:r>
-              <a:rPr lang="en-US" sz="1400" dirty="0" err="1" smtClean="0">
+              <a:rPr lang="en-US" sz="1600" dirty="0" err="1" smtClean="0">
                 <a:solidFill>
                   <a:schemeClr val="bg1"/>
                 </a:solidFill>
@@ -5074,7 +5074,7 @@
               <a:t>sử</a:t>
             </a:r>
             <a:r>
-              <a:rPr lang="en-US" sz="1400" dirty="0" smtClean="0">
+              <a:rPr lang="en-US" sz="1600" dirty="0" smtClean="0">
                 <a:solidFill>
                   <a:schemeClr val="bg1"/>
                 </a:solidFill>
@@ -5082,7 +5082,7 @@
               <a:t> </a:t>
             </a:r>
             <a:r>
-              <a:rPr lang="en-US" sz="1400" dirty="0" err="1" smtClean="0">
+              <a:rPr lang="en-US" sz="1600" dirty="0" err="1" smtClean="0">
                 <a:solidFill>
                   <a:schemeClr val="bg1"/>
                 </a:solidFill>
@@ -5090,7 +5090,7 @@
               <a:t>dụng</a:t>
             </a:r>
             <a:r>
-              <a:rPr lang="en-US" sz="1400" dirty="0">
+              <a:rPr lang="en-US" sz="1600" dirty="0">
                 <a:solidFill>
                   <a:schemeClr val="bg1"/>
                 </a:solidFill>
@@ -5098,7 +5098,7 @@
               <a:t> DISTINCT </a:t>
             </a:r>
             <a:r>
-              <a:rPr lang="en-US" sz="1400" dirty="0" err="1" smtClean="0">
+              <a:rPr lang="en-US" sz="1600" dirty="0" err="1" smtClean="0">
                 <a:solidFill>
                   <a:schemeClr val="bg1"/>
                 </a:solidFill>
@@ -5106,7 +5106,7 @@
               <a:t>để</a:t>
             </a:r>
             <a:r>
-              <a:rPr lang="en-US" sz="1400" dirty="0" smtClean="0">
+              <a:rPr lang="en-US" sz="1600" dirty="0" smtClean="0">
                 <a:solidFill>
                   <a:schemeClr val="bg1"/>
                 </a:solidFill>
@@ -5114,7 +5114,7 @@
               <a:t> </a:t>
             </a:r>
             <a:r>
-              <a:rPr lang="en-US" sz="1400" dirty="0" err="1" smtClean="0">
+              <a:rPr lang="en-US" sz="1600" dirty="0" err="1" smtClean="0">
                 <a:solidFill>
                   <a:schemeClr val="bg1"/>
                 </a:solidFill>
@@ -5122,7 +5122,7 @@
               <a:t>loại</a:t>
             </a:r>
             <a:r>
-              <a:rPr lang="en-US" sz="1400" dirty="0" smtClean="0">
+              <a:rPr lang="en-US" sz="1600" dirty="0" smtClean="0">
                 <a:solidFill>
                   <a:schemeClr val="bg1"/>
                 </a:solidFill>
@@ -5130,7 +5130,7 @@
               <a:t> </a:t>
             </a:r>
             <a:r>
-              <a:rPr lang="en-US" sz="1400" dirty="0" err="1" smtClean="0">
+              <a:rPr lang="en-US" sz="1600" dirty="0" err="1" smtClean="0">
                 <a:solidFill>
                   <a:schemeClr val="bg1"/>
                 </a:solidFill>
@@ -5138,7 +5138,7 @@
               <a:t>trừ</a:t>
             </a:r>
             <a:r>
-              <a:rPr lang="en-US" sz="1400" dirty="0" smtClean="0">
+              <a:rPr lang="en-US" sz="1600" dirty="0" smtClean="0">
                 <a:solidFill>
                   <a:schemeClr val="bg1"/>
                 </a:solidFill>
@@ -5146,7 +5146,7 @@
               <a:t> </a:t>
             </a:r>
             <a:r>
-              <a:rPr lang="en-US" sz="1400" dirty="0" err="1" smtClean="0">
+              <a:rPr lang="en-US" sz="1600" dirty="0" err="1" smtClean="0">
                 <a:solidFill>
                   <a:schemeClr val="bg1"/>
                 </a:solidFill>
@@ -5154,7 +5154,7 @@
               <a:t>kết</a:t>
             </a:r>
             <a:r>
-              <a:rPr lang="en-US" sz="1400" dirty="0" smtClean="0">
+              <a:rPr lang="en-US" sz="1600" dirty="0" smtClean="0">
                 <a:solidFill>
                   <a:schemeClr val="bg1"/>
                 </a:solidFill>
@@ -5162,7 +5162,7 @@
               <a:t> </a:t>
             </a:r>
             <a:r>
-              <a:rPr lang="en-US" sz="1400" dirty="0" err="1" smtClean="0">
+              <a:rPr lang="en-US" sz="1600" dirty="0" err="1" smtClean="0">
                 <a:solidFill>
                   <a:schemeClr val="bg1"/>
                 </a:solidFill>
@@ -5170,7 +5170,7 @@
               <a:t>quả</a:t>
             </a:r>
             <a:r>
-              <a:rPr lang="en-US" sz="1400" dirty="0" smtClean="0">
+              <a:rPr lang="en-US" sz="1600" dirty="0" smtClean="0">
                 <a:solidFill>
                   <a:schemeClr val="bg1"/>
                 </a:solidFill>
@@ -5178,7 +5178,7 @@
               <a:t> </a:t>
             </a:r>
             <a:r>
-              <a:rPr lang="en-US" sz="1400" dirty="0" err="1" smtClean="0">
+              <a:rPr lang="en-US" sz="1600" dirty="0" err="1" smtClean="0">
                 <a:solidFill>
                   <a:schemeClr val="bg1"/>
                 </a:solidFill>
@@ -5186,7 +5186,7 @@
               <a:t>trùng</a:t>
             </a:r>
             <a:r>
-              <a:rPr lang="en-US" sz="1400" dirty="0" smtClean="0">
+              <a:rPr lang="en-US" sz="1600" dirty="0" smtClean="0">
                 <a:solidFill>
                   <a:schemeClr val="bg1"/>
                 </a:solidFill>
@@ -5194,14 +5194,14 @@
               <a:t> </a:t>
             </a:r>
             <a:r>
-              <a:rPr lang="en-US" sz="1400" dirty="0" err="1" smtClean="0">
+              <a:rPr lang="en-US" sz="1600" dirty="0" err="1" smtClean="0">
                 <a:solidFill>
                   <a:schemeClr val="bg1"/>
                 </a:solidFill>
               </a:rPr>
               <a:t>lặp</a:t>
             </a:r>
-            <a:endParaRPr lang="en-US" sz="1400" dirty="0">
+            <a:endParaRPr lang="en-US" sz="1600" dirty="0">
               <a:solidFill>
                 <a:schemeClr val="bg1"/>
               </a:solidFill>
